--- a/results_roots/Az3/Az3_plots.pptx
+++ b/results_roots/Az3/Az3_plots.pptx
@@ -11,6 +11,18 @@
     <p:sldId id="259" r:id="rId10"/>
     <p:sldId id="260" r:id="rId11"/>
     <p:sldId id="261" r:id="rId12"/>
+    <p:sldId id="262" r:id="rId13"/>
+    <p:sldId id="263" r:id="rId14"/>
+    <p:sldId id="264" r:id="rId15"/>
+    <p:sldId id="265" r:id="rId16"/>
+    <p:sldId id="266" r:id="rId17"/>
+    <p:sldId id="267" r:id="rId18"/>
+    <p:sldId id="268" r:id="rId19"/>
+    <p:sldId id="269" r:id="rId20"/>
+    <p:sldId id="270" r:id="rId21"/>
+    <p:sldId id="271" r:id="rId22"/>
+    <p:sldId id="272" r:id="rId23"/>
+    <p:sldId id="273" r:id="rId24"/>
   </p:sldIdLst>
   <p:sldSz cx="9144000" cy="6858000" type="screen4x3"/>
   <p:notesSz cx="6858000" cy="9144000"/>
@@ -3112,7 +3124,7 @@
       </p:sp>
       <p:pic>
         <p:nvPicPr>
-          <p:cNvPr id="3" name="Picture 2" descr="Az3_f10GHz_10dB_plot.png"/>
+          <p:cNvPr id="3" name="Picture 2" descr="AZ3_3GHz_0dBm_plot.png"/>
           <p:cNvPicPr>
             <a:picLocks noChangeAspect="1"/>
           </p:cNvPicPr>
@@ -3160,7 +3172,817 @@
               <a:defRPr sz="2000"/>
             </a:pPr>
             <a:r>
-              <a:t>Az3 f=10GHz 10 dB</a:t>
+              <a:t>AZ3 f=3GHz 0 dB</a:t>
+            </a:r>
+          </a:p>
+        </p:txBody>
+      </p:sp>
+    </p:spTree>
+  </p:cSld>
+  <p:clrMapOvr>
+    <a:masterClrMapping/>
+  </p:clrMapOvr>
+</p:sld>
+</file>
+
+<file path=ppt/slides/slide10.xml><?xml version="1.0" encoding="utf-8"?>
+<p:sld xmlns:a="http://schemas.openxmlformats.org/drawingml/2006/main" xmlns:p="http://schemas.openxmlformats.org/presentationml/2006/main" xmlns:r="http://schemas.openxmlformats.org/officeDocument/2006/relationships">
+  <p:cSld>
+    <p:spTree>
+      <p:nvGrpSpPr>
+        <p:cNvPr id="1" name=""/>
+        <p:cNvGrpSpPr/>
+        <p:nvPr/>
+      </p:nvGrpSpPr>
+      <p:grpSpPr/>
+      <p:sp>
+        <p:nvSpPr>
+          <p:cNvPr id="2" name="Title 1"/>
+          <p:cNvSpPr>
+            <a:spLocks noGrp="1"/>
+          </p:cNvSpPr>
+          <p:nvPr>
+            <p:ph type="title"/>
+          </p:nvPr>
+        </p:nvSpPr>
+        <p:spPr/>
+        <p:txBody>
+          <a:bodyPr/>
+          <a:lstStyle/>
+          <a:p/>
+        </p:txBody>
+      </p:sp>
+      <p:pic>
+        <p:nvPicPr>
+          <p:cNvPr id="3" name="Picture 2" descr="AZ3_9GHz_0dBm_plot.png"/>
+          <p:cNvPicPr>
+            <a:picLocks noChangeAspect="1"/>
+          </p:cNvPicPr>
+          <p:nvPr/>
+        </p:nvPicPr>
+        <p:blipFill>
+          <a:blip r:embed="rId2"/>
+          <a:stretch>
+            <a:fillRect/>
+          </a:stretch>
+        </p:blipFill>
+        <p:spPr>
+          <a:xfrm>
+            <a:off x="457200" y="457200"/>
+            <a:ext cx="7315200" cy="4572000"/>
+          </a:xfrm>
+          <a:prstGeom prst="rect">
+            <a:avLst/>
+          </a:prstGeom>
+        </p:spPr>
+      </p:pic>
+      <p:sp>
+        <p:nvSpPr>
+          <p:cNvPr id="4" name="TextBox 3"/>
+          <p:cNvSpPr txBox="1"/>
+          <p:nvPr/>
+        </p:nvSpPr>
+        <p:spPr>
+          <a:xfrm>
+            <a:off x="457200" y="91440"/>
+            <a:ext cx="7315200" cy="274320"/>
+          </a:xfrm>
+          <a:prstGeom prst="rect">
+            <a:avLst/>
+          </a:prstGeom>
+          <a:noFill/>
+        </p:spPr>
+        <p:txBody>
+          <a:bodyPr wrap="none">
+            <a:spAutoFit/>
+          </a:bodyPr>
+          <a:lstStyle/>
+          <a:p>
+            <a:pPr algn="ctr">
+              <a:defRPr sz="2000"/>
+            </a:pPr>
+            <a:r>
+              <a:t>AZ3 f=9GHz 0 dB</a:t>
+            </a:r>
+          </a:p>
+        </p:txBody>
+      </p:sp>
+    </p:spTree>
+  </p:cSld>
+  <p:clrMapOvr>
+    <a:masterClrMapping/>
+  </p:clrMapOvr>
+</p:sld>
+</file>
+
+<file path=ppt/slides/slide11.xml><?xml version="1.0" encoding="utf-8"?>
+<p:sld xmlns:a="http://schemas.openxmlformats.org/drawingml/2006/main" xmlns:p="http://schemas.openxmlformats.org/presentationml/2006/main" xmlns:r="http://schemas.openxmlformats.org/officeDocument/2006/relationships">
+  <p:cSld>
+    <p:spTree>
+      <p:nvGrpSpPr>
+        <p:cNvPr id="1" name=""/>
+        <p:cNvGrpSpPr/>
+        <p:nvPr/>
+      </p:nvGrpSpPr>
+      <p:grpSpPr/>
+      <p:sp>
+        <p:nvSpPr>
+          <p:cNvPr id="2" name="Title 1"/>
+          <p:cNvSpPr>
+            <a:spLocks noGrp="1"/>
+          </p:cNvSpPr>
+          <p:nvPr>
+            <p:ph type="title"/>
+          </p:nvPr>
+        </p:nvSpPr>
+        <p:spPr/>
+        <p:txBody>
+          <a:bodyPr/>
+          <a:lstStyle/>
+          <a:p/>
+        </p:txBody>
+      </p:sp>
+      <p:pic>
+        <p:nvPicPr>
+          <p:cNvPr id="3" name="Picture 2" descr="AZ3_10GHz_0dBm_plot.png"/>
+          <p:cNvPicPr>
+            <a:picLocks noChangeAspect="1"/>
+          </p:cNvPicPr>
+          <p:nvPr/>
+        </p:nvPicPr>
+        <p:blipFill>
+          <a:blip r:embed="rId2"/>
+          <a:stretch>
+            <a:fillRect/>
+          </a:stretch>
+        </p:blipFill>
+        <p:spPr>
+          <a:xfrm>
+            <a:off x="457200" y="457200"/>
+            <a:ext cx="7315200" cy="4572000"/>
+          </a:xfrm>
+          <a:prstGeom prst="rect">
+            <a:avLst/>
+          </a:prstGeom>
+        </p:spPr>
+      </p:pic>
+      <p:sp>
+        <p:nvSpPr>
+          <p:cNvPr id="4" name="TextBox 3"/>
+          <p:cNvSpPr txBox="1"/>
+          <p:nvPr/>
+        </p:nvSpPr>
+        <p:spPr>
+          <a:xfrm>
+            <a:off x="457200" y="91440"/>
+            <a:ext cx="7315200" cy="274320"/>
+          </a:xfrm>
+          <a:prstGeom prst="rect">
+            <a:avLst/>
+          </a:prstGeom>
+          <a:noFill/>
+        </p:spPr>
+        <p:txBody>
+          <a:bodyPr wrap="none">
+            <a:spAutoFit/>
+          </a:bodyPr>
+          <a:lstStyle/>
+          <a:p>
+            <a:pPr algn="ctr">
+              <a:defRPr sz="2000"/>
+            </a:pPr>
+            <a:r>
+              <a:t>AZ3 f=10GHz 0 dB</a:t>
+            </a:r>
+          </a:p>
+        </p:txBody>
+      </p:sp>
+    </p:spTree>
+  </p:cSld>
+  <p:clrMapOvr>
+    <a:masterClrMapping/>
+  </p:clrMapOvr>
+</p:sld>
+</file>
+
+<file path=ppt/slides/slide12.xml><?xml version="1.0" encoding="utf-8"?>
+<p:sld xmlns:a="http://schemas.openxmlformats.org/drawingml/2006/main" xmlns:p="http://schemas.openxmlformats.org/presentationml/2006/main" xmlns:r="http://schemas.openxmlformats.org/officeDocument/2006/relationships">
+  <p:cSld>
+    <p:spTree>
+      <p:nvGrpSpPr>
+        <p:cNvPr id="1" name=""/>
+        <p:cNvGrpSpPr/>
+        <p:nvPr/>
+      </p:nvGrpSpPr>
+      <p:grpSpPr/>
+      <p:sp>
+        <p:nvSpPr>
+          <p:cNvPr id="2" name="Title 1"/>
+          <p:cNvSpPr>
+            <a:spLocks noGrp="1"/>
+          </p:cNvSpPr>
+          <p:nvPr>
+            <p:ph type="title"/>
+          </p:nvPr>
+        </p:nvSpPr>
+        <p:spPr/>
+        <p:txBody>
+          <a:bodyPr/>
+          <a:lstStyle/>
+          <a:p/>
+        </p:txBody>
+      </p:sp>
+      <p:pic>
+        <p:nvPicPr>
+          <p:cNvPr id="3" name="Picture 2" descr="AZ3_11GHz_0dBm_plot.png"/>
+          <p:cNvPicPr>
+            <a:picLocks noChangeAspect="1"/>
+          </p:cNvPicPr>
+          <p:nvPr/>
+        </p:nvPicPr>
+        <p:blipFill>
+          <a:blip r:embed="rId2"/>
+          <a:stretch>
+            <a:fillRect/>
+          </a:stretch>
+        </p:blipFill>
+        <p:spPr>
+          <a:xfrm>
+            <a:off x="457200" y="457200"/>
+            <a:ext cx="7315200" cy="4572000"/>
+          </a:xfrm>
+          <a:prstGeom prst="rect">
+            <a:avLst/>
+          </a:prstGeom>
+        </p:spPr>
+      </p:pic>
+      <p:sp>
+        <p:nvSpPr>
+          <p:cNvPr id="4" name="TextBox 3"/>
+          <p:cNvSpPr txBox="1"/>
+          <p:nvPr/>
+        </p:nvSpPr>
+        <p:spPr>
+          <a:xfrm>
+            <a:off x="457200" y="91440"/>
+            <a:ext cx="7315200" cy="274320"/>
+          </a:xfrm>
+          <a:prstGeom prst="rect">
+            <a:avLst/>
+          </a:prstGeom>
+          <a:noFill/>
+        </p:spPr>
+        <p:txBody>
+          <a:bodyPr wrap="none">
+            <a:spAutoFit/>
+          </a:bodyPr>
+          <a:lstStyle/>
+          <a:p>
+            <a:pPr algn="ctr">
+              <a:defRPr sz="2000"/>
+            </a:pPr>
+            <a:r>
+              <a:t>AZ3 f=11GHz 0 dB</a:t>
+            </a:r>
+          </a:p>
+        </p:txBody>
+      </p:sp>
+    </p:spTree>
+  </p:cSld>
+  <p:clrMapOvr>
+    <a:masterClrMapping/>
+  </p:clrMapOvr>
+</p:sld>
+</file>
+
+<file path=ppt/slides/slide13.xml><?xml version="1.0" encoding="utf-8"?>
+<p:sld xmlns:a="http://schemas.openxmlformats.org/drawingml/2006/main" xmlns:p="http://schemas.openxmlformats.org/presentationml/2006/main" xmlns:r="http://schemas.openxmlformats.org/officeDocument/2006/relationships">
+  <p:cSld>
+    <p:spTree>
+      <p:nvGrpSpPr>
+        <p:cNvPr id="1" name=""/>
+        <p:cNvGrpSpPr/>
+        <p:nvPr/>
+      </p:nvGrpSpPr>
+      <p:grpSpPr/>
+      <p:sp>
+        <p:nvSpPr>
+          <p:cNvPr id="2" name="Title 1"/>
+          <p:cNvSpPr>
+            <a:spLocks noGrp="1"/>
+          </p:cNvSpPr>
+          <p:nvPr>
+            <p:ph type="title"/>
+          </p:nvPr>
+        </p:nvSpPr>
+        <p:spPr/>
+        <p:txBody>
+          <a:bodyPr/>
+          <a:lstStyle/>
+          <a:p/>
+        </p:txBody>
+      </p:sp>
+      <p:pic>
+        <p:nvPicPr>
+          <p:cNvPr id="3" name="Picture 2" descr="AZ3_12GHz_0dBm_plot.png"/>
+          <p:cNvPicPr>
+            <a:picLocks noChangeAspect="1"/>
+          </p:cNvPicPr>
+          <p:nvPr/>
+        </p:nvPicPr>
+        <p:blipFill>
+          <a:blip r:embed="rId2"/>
+          <a:stretch>
+            <a:fillRect/>
+          </a:stretch>
+        </p:blipFill>
+        <p:spPr>
+          <a:xfrm>
+            <a:off x="457200" y="457200"/>
+            <a:ext cx="7315200" cy="4572000"/>
+          </a:xfrm>
+          <a:prstGeom prst="rect">
+            <a:avLst/>
+          </a:prstGeom>
+        </p:spPr>
+      </p:pic>
+      <p:sp>
+        <p:nvSpPr>
+          <p:cNvPr id="4" name="TextBox 3"/>
+          <p:cNvSpPr txBox="1"/>
+          <p:nvPr/>
+        </p:nvSpPr>
+        <p:spPr>
+          <a:xfrm>
+            <a:off x="457200" y="91440"/>
+            <a:ext cx="7315200" cy="274320"/>
+          </a:xfrm>
+          <a:prstGeom prst="rect">
+            <a:avLst/>
+          </a:prstGeom>
+          <a:noFill/>
+        </p:spPr>
+        <p:txBody>
+          <a:bodyPr wrap="none">
+            <a:spAutoFit/>
+          </a:bodyPr>
+          <a:lstStyle/>
+          <a:p>
+            <a:pPr algn="ctr">
+              <a:defRPr sz="2000"/>
+            </a:pPr>
+            <a:r>
+              <a:t>AZ3 f=12GHz 0 dB</a:t>
+            </a:r>
+          </a:p>
+        </p:txBody>
+      </p:sp>
+    </p:spTree>
+  </p:cSld>
+  <p:clrMapOvr>
+    <a:masterClrMapping/>
+  </p:clrMapOvr>
+</p:sld>
+</file>
+
+<file path=ppt/slides/slide14.xml><?xml version="1.0" encoding="utf-8"?>
+<p:sld xmlns:a="http://schemas.openxmlformats.org/drawingml/2006/main" xmlns:p="http://schemas.openxmlformats.org/presentationml/2006/main" xmlns:r="http://schemas.openxmlformats.org/officeDocument/2006/relationships">
+  <p:cSld>
+    <p:spTree>
+      <p:nvGrpSpPr>
+        <p:cNvPr id="1" name=""/>
+        <p:cNvGrpSpPr/>
+        <p:nvPr/>
+      </p:nvGrpSpPr>
+      <p:grpSpPr/>
+      <p:sp>
+        <p:nvSpPr>
+          <p:cNvPr id="2" name="Title 1"/>
+          <p:cNvSpPr>
+            <a:spLocks noGrp="1"/>
+          </p:cNvSpPr>
+          <p:nvPr>
+            <p:ph type="title"/>
+          </p:nvPr>
+        </p:nvSpPr>
+        <p:spPr/>
+        <p:txBody>
+          <a:bodyPr/>
+          <a:lstStyle/>
+          <a:p/>
+        </p:txBody>
+      </p:sp>
+      <p:pic>
+        <p:nvPicPr>
+          <p:cNvPr id="3" name="Picture 2" descr="AZ3_13GHz_0dBm_plot.png"/>
+          <p:cNvPicPr>
+            <a:picLocks noChangeAspect="1"/>
+          </p:cNvPicPr>
+          <p:nvPr/>
+        </p:nvPicPr>
+        <p:blipFill>
+          <a:blip r:embed="rId2"/>
+          <a:stretch>
+            <a:fillRect/>
+          </a:stretch>
+        </p:blipFill>
+        <p:spPr>
+          <a:xfrm>
+            <a:off x="457200" y="457200"/>
+            <a:ext cx="7315200" cy="4572000"/>
+          </a:xfrm>
+          <a:prstGeom prst="rect">
+            <a:avLst/>
+          </a:prstGeom>
+        </p:spPr>
+      </p:pic>
+      <p:sp>
+        <p:nvSpPr>
+          <p:cNvPr id="4" name="TextBox 3"/>
+          <p:cNvSpPr txBox="1"/>
+          <p:nvPr/>
+        </p:nvSpPr>
+        <p:spPr>
+          <a:xfrm>
+            <a:off x="457200" y="91440"/>
+            <a:ext cx="7315200" cy="274320"/>
+          </a:xfrm>
+          <a:prstGeom prst="rect">
+            <a:avLst/>
+          </a:prstGeom>
+          <a:noFill/>
+        </p:spPr>
+        <p:txBody>
+          <a:bodyPr wrap="none">
+            <a:spAutoFit/>
+          </a:bodyPr>
+          <a:lstStyle/>
+          <a:p>
+            <a:pPr algn="ctr">
+              <a:defRPr sz="2000"/>
+            </a:pPr>
+            <a:r>
+              <a:t>AZ3 f=13GHz 0 dB</a:t>
+            </a:r>
+          </a:p>
+        </p:txBody>
+      </p:sp>
+    </p:spTree>
+  </p:cSld>
+  <p:clrMapOvr>
+    <a:masterClrMapping/>
+  </p:clrMapOvr>
+</p:sld>
+</file>
+
+<file path=ppt/slides/slide15.xml><?xml version="1.0" encoding="utf-8"?>
+<p:sld xmlns:a="http://schemas.openxmlformats.org/drawingml/2006/main" xmlns:p="http://schemas.openxmlformats.org/presentationml/2006/main" xmlns:r="http://schemas.openxmlformats.org/officeDocument/2006/relationships">
+  <p:cSld>
+    <p:spTree>
+      <p:nvGrpSpPr>
+        <p:cNvPr id="1" name=""/>
+        <p:cNvGrpSpPr/>
+        <p:nvPr/>
+      </p:nvGrpSpPr>
+      <p:grpSpPr/>
+      <p:sp>
+        <p:nvSpPr>
+          <p:cNvPr id="2" name="Title 1"/>
+          <p:cNvSpPr>
+            <a:spLocks noGrp="1"/>
+          </p:cNvSpPr>
+          <p:nvPr>
+            <p:ph type="title"/>
+          </p:nvPr>
+        </p:nvSpPr>
+        <p:spPr/>
+        <p:txBody>
+          <a:bodyPr/>
+          <a:lstStyle/>
+          <a:p/>
+        </p:txBody>
+      </p:sp>
+      <p:pic>
+        <p:nvPicPr>
+          <p:cNvPr id="3" name="Picture 2" descr="AZ3_14GHz_0dBm_plot.png"/>
+          <p:cNvPicPr>
+            <a:picLocks noChangeAspect="1"/>
+          </p:cNvPicPr>
+          <p:nvPr/>
+        </p:nvPicPr>
+        <p:blipFill>
+          <a:blip r:embed="rId2"/>
+          <a:stretch>
+            <a:fillRect/>
+          </a:stretch>
+        </p:blipFill>
+        <p:spPr>
+          <a:xfrm>
+            <a:off x="457200" y="457200"/>
+            <a:ext cx="7315200" cy="4572000"/>
+          </a:xfrm>
+          <a:prstGeom prst="rect">
+            <a:avLst/>
+          </a:prstGeom>
+        </p:spPr>
+      </p:pic>
+      <p:sp>
+        <p:nvSpPr>
+          <p:cNvPr id="4" name="TextBox 3"/>
+          <p:cNvSpPr txBox="1"/>
+          <p:nvPr/>
+        </p:nvSpPr>
+        <p:spPr>
+          <a:xfrm>
+            <a:off x="457200" y="91440"/>
+            <a:ext cx="7315200" cy="274320"/>
+          </a:xfrm>
+          <a:prstGeom prst="rect">
+            <a:avLst/>
+          </a:prstGeom>
+          <a:noFill/>
+        </p:spPr>
+        <p:txBody>
+          <a:bodyPr wrap="none">
+            <a:spAutoFit/>
+          </a:bodyPr>
+          <a:lstStyle/>
+          <a:p>
+            <a:pPr algn="ctr">
+              <a:defRPr sz="2000"/>
+            </a:pPr>
+            <a:r>
+              <a:t>AZ3 f=14GHz 0 dB</a:t>
+            </a:r>
+          </a:p>
+        </p:txBody>
+      </p:sp>
+    </p:spTree>
+  </p:cSld>
+  <p:clrMapOvr>
+    <a:masterClrMapping/>
+  </p:clrMapOvr>
+</p:sld>
+</file>
+
+<file path=ppt/slides/slide16.xml><?xml version="1.0" encoding="utf-8"?>
+<p:sld xmlns:a="http://schemas.openxmlformats.org/drawingml/2006/main" xmlns:p="http://schemas.openxmlformats.org/presentationml/2006/main" xmlns:r="http://schemas.openxmlformats.org/officeDocument/2006/relationships">
+  <p:cSld>
+    <p:spTree>
+      <p:nvGrpSpPr>
+        <p:cNvPr id="1" name=""/>
+        <p:cNvGrpSpPr/>
+        <p:nvPr/>
+      </p:nvGrpSpPr>
+      <p:grpSpPr/>
+      <p:sp>
+        <p:nvSpPr>
+          <p:cNvPr id="2" name="Title 1"/>
+          <p:cNvSpPr>
+            <a:spLocks noGrp="1"/>
+          </p:cNvSpPr>
+          <p:nvPr>
+            <p:ph type="title"/>
+          </p:nvPr>
+        </p:nvSpPr>
+        <p:spPr/>
+        <p:txBody>
+          <a:bodyPr/>
+          <a:lstStyle/>
+          <a:p/>
+        </p:txBody>
+      </p:sp>
+      <p:pic>
+        <p:nvPicPr>
+          <p:cNvPr id="3" name="Picture 2" descr="AZ3_15GHz_0dBm_plot.png"/>
+          <p:cNvPicPr>
+            <a:picLocks noChangeAspect="1"/>
+          </p:cNvPicPr>
+          <p:nvPr/>
+        </p:nvPicPr>
+        <p:blipFill>
+          <a:blip r:embed="rId2"/>
+          <a:stretch>
+            <a:fillRect/>
+          </a:stretch>
+        </p:blipFill>
+        <p:spPr>
+          <a:xfrm>
+            <a:off x="457200" y="457200"/>
+            <a:ext cx="7315200" cy="4572000"/>
+          </a:xfrm>
+          <a:prstGeom prst="rect">
+            <a:avLst/>
+          </a:prstGeom>
+        </p:spPr>
+      </p:pic>
+      <p:sp>
+        <p:nvSpPr>
+          <p:cNvPr id="4" name="TextBox 3"/>
+          <p:cNvSpPr txBox="1"/>
+          <p:nvPr/>
+        </p:nvSpPr>
+        <p:spPr>
+          <a:xfrm>
+            <a:off x="457200" y="91440"/>
+            <a:ext cx="7315200" cy="274320"/>
+          </a:xfrm>
+          <a:prstGeom prst="rect">
+            <a:avLst/>
+          </a:prstGeom>
+          <a:noFill/>
+        </p:spPr>
+        <p:txBody>
+          <a:bodyPr wrap="none">
+            <a:spAutoFit/>
+          </a:bodyPr>
+          <a:lstStyle/>
+          <a:p>
+            <a:pPr algn="ctr">
+              <a:defRPr sz="2000"/>
+            </a:pPr>
+            <a:r>
+              <a:t>AZ3 f=15GHz 0 dB</a:t>
+            </a:r>
+          </a:p>
+        </p:txBody>
+      </p:sp>
+    </p:spTree>
+  </p:cSld>
+  <p:clrMapOvr>
+    <a:masterClrMapping/>
+  </p:clrMapOvr>
+</p:sld>
+</file>
+
+<file path=ppt/slides/slide17.xml><?xml version="1.0" encoding="utf-8"?>
+<p:sld xmlns:a="http://schemas.openxmlformats.org/drawingml/2006/main" xmlns:p="http://schemas.openxmlformats.org/presentationml/2006/main" xmlns:r="http://schemas.openxmlformats.org/officeDocument/2006/relationships">
+  <p:cSld>
+    <p:spTree>
+      <p:nvGrpSpPr>
+        <p:cNvPr id="1" name=""/>
+        <p:cNvGrpSpPr/>
+        <p:nvPr/>
+      </p:nvGrpSpPr>
+      <p:grpSpPr/>
+      <p:sp>
+        <p:nvSpPr>
+          <p:cNvPr id="2" name="Title 1"/>
+          <p:cNvSpPr>
+            <a:spLocks noGrp="1"/>
+          </p:cNvSpPr>
+          <p:nvPr>
+            <p:ph type="title"/>
+          </p:nvPr>
+        </p:nvSpPr>
+        <p:spPr/>
+        <p:txBody>
+          <a:bodyPr/>
+          <a:lstStyle/>
+          <a:p/>
+        </p:txBody>
+      </p:sp>
+      <p:pic>
+        <p:nvPicPr>
+          <p:cNvPr id="3" name="Picture 2" descr="AZ3_16GHz_0dBm_plot.png"/>
+          <p:cNvPicPr>
+            <a:picLocks noChangeAspect="1"/>
+          </p:cNvPicPr>
+          <p:nvPr/>
+        </p:nvPicPr>
+        <p:blipFill>
+          <a:blip r:embed="rId2"/>
+          <a:stretch>
+            <a:fillRect/>
+          </a:stretch>
+        </p:blipFill>
+        <p:spPr>
+          <a:xfrm>
+            <a:off x="457200" y="457200"/>
+            <a:ext cx="7315200" cy="4572000"/>
+          </a:xfrm>
+          <a:prstGeom prst="rect">
+            <a:avLst/>
+          </a:prstGeom>
+        </p:spPr>
+      </p:pic>
+      <p:sp>
+        <p:nvSpPr>
+          <p:cNvPr id="4" name="TextBox 3"/>
+          <p:cNvSpPr txBox="1"/>
+          <p:nvPr/>
+        </p:nvSpPr>
+        <p:spPr>
+          <a:xfrm>
+            <a:off x="457200" y="91440"/>
+            <a:ext cx="7315200" cy="274320"/>
+          </a:xfrm>
+          <a:prstGeom prst="rect">
+            <a:avLst/>
+          </a:prstGeom>
+          <a:noFill/>
+        </p:spPr>
+        <p:txBody>
+          <a:bodyPr wrap="none">
+            <a:spAutoFit/>
+          </a:bodyPr>
+          <a:lstStyle/>
+          <a:p>
+            <a:pPr algn="ctr">
+              <a:defRPr sz="2000"/>
+            </a:pPr>
+            <a:r>
+              <a:t>AZ3 f=16GHz 0 dB</a:t>
+            </a:r>
+          </a:p>
+        </p:txBody>
+      </p:sp>
+    </p:spTree>
+  </p:cSld>
+  <p:clrMapOvr>
+    <a:masterClrMapping/>
+  </p:clrMapOvr>
+</p:sld>
+</file>
+
+<file path=ppt/slides/slide18.xml><?xml version="1.0" encoding="utf-8"?>
+<p:sld xmlns:a="http://schemas.openxmlformats.org/drawingml/2006/main" xmlns:p="http://schemas.openxmlformats.org/presentationml/2006/main" xmlns:r="http://schemas.openxmlformats.org/officeDocument/2006/relationships">
+  <p:cSld>
+    <p:spTree>
+      <p:nvGrpSpPr>
+        <p:cNvPr id="1" name=""/>
+        <p:cNvGrpSpPr/>
+        <p:nvPr/>
+      </p:nvGrpSpPr>
+      <p:grpSpPr/>
+      <p:sp>
+        <p:nvSpPr>
+          <p:cNvPr id="2" name="Title 1"/>
+          <p:cNvSpPr>
+            <a:spLocks noGrp="1"/>
+          </p:cNvSpPr>
+          <p:nvPr>
+            <p:ph type="title"/>
+          </p:nvPr>
+        </p:nvSpPr>
+        <p:spPr/>
+        <p:txBody>
+          <a:bodyPr/>
+          <a:lstStyle/>
+          <a:p/>
+        </p:txBody>
+      </p:sp>
+      <p:pic>
+        <p:nvPicPr>
+          <p:cNvPr id="3" name="Picture 2" descr="AZ3_17GHz_0dBm_plot.png"/>
+          <p:cNvPicPr>
+            <a:picLocks noChangeAspect="1"/>
+          </p:cNvPicPr>
+          <p:nvPr/>
+        </p:nvPicPr>
+        <p:blipFill>
+          <a:blip r:embed="rId2"/>
+          <a:stretch>
+            <a:fillRect/>
+          </a:stretch>
+        </p:blipFill>
+        <p:spPr>
+          <a:xfrm>
+            <a:off x="457200" y="457200"/>
+            <a:ext cx="7315200" cy="4572000"/>
+          </a:xfrm>
+          <a:prstGeom prst="rect">
+            <a:avLst/>
+          </a:prstGeom>
+        </p:spPr>
+      </p:pic>
+      <p:sp>
+        <p:nvSpPr>
+          <p:cNvPr id="4" name="TextBox 3"/>
+          <p:cNvSpPr txBox="1"/>
+          <p:nvPr/>
+        </p:nvSpPr>
+        <p:spPr>
+          <a:xfrm>
+            <a:off x="457200" y="91440"/>
+            <a:ext cx="7315200" cy="274320"/>
+          </a:xfrm>
+          <a:prstGeom prst="rect">
+            <a:avLst/>
+          </a:prstGeom>
+          <a:noFill/>
+        </p:spPr>
+        <p:txBody>
+          <a:bodyPr wrap="none">
+            <a:spAutoFit/>
+          </a:bodyPr>
+          <a:lstStyle/>
+          <a:p>
+            <a:pPr algn="ctr">
+              <a:defRPr sz="2000"/>
+            </a:pPr>
+            <a:r>
+              <a:t>AZ3 f=17GHz 0 dB</a:t>
             </a:r>
           </a:p>
         </p:txBody>
@@ -3202,7 +4024,7 @@
       </p:sp>
       <p:pic>
         <p:nvPicPr>
-          <p:cNvPr id="3" name="Picture 2" descr="Az3_f11GHz_10dB_plot.png"/>
+          <p:cNvPr id="3" name="Picture 2" descr="AZ3_f3GHz_0dB_plot.png"/>
           <p:cNvPicPr>
             <a:picLocks noChangeAspect="1"/>
           </p:cNvPicPr>
@@ -3250,7 +4072,7 @@
               <a:defRPr sz="2000"/>
             </a:pPr>
             <a:r>
-              <a:t>Az3 f=11GHz 10 dB</a:t>
+              <a:t>AZ3 f=3GHz 0 dB</a:t>
             </a:r>
           </a:p>
         </p:txBody>
@@ -3292,7 +4114,7 @@
       </p:sp>
       <p:pic>
         <p:nvPicPr>
-          <p:cNvPr id="3" name="Picture 2" descr="Az3_f4.1GHz_0dB_plot.png"/>
+          <p:cNvPr id="3" name="Picture 2" descr="AZ3_4GHz_0dBm_plot.png"/>
           <p:cNvPicPr>
             <a:picLocks noChangeAspect="1"/>
           </p:cNvPicPr>
@@ -3340,7 +4162,7 @@
               <a:defRPr sz="2000"/>
             </a:pPr>
             <a:r>
-              <a:t>Az3 f=4.1GHz 0 dB</a:t>
+              <a:t>AZ3 f=4GHz 0 dB</a:t>
             </a:r>
           </a:p>
         </p:txBody>
@@ -3382,7 +4204,7 @@
       </p:sp>
       <p:pic>
         <p:nvPicPr>
-          <p:cNvPr id="3" name="Picture 2" descr="Az3_f7GHz_0dB_plot.png"/>
+          <p:cNvPr id="3" name="Picture 2" descr="AZ3_f4GHz_0dB_plot.png"/>
           <p:cNvPicPr>
             <a:picLocks noChangeAspect="1"/>
           </p:cNvPicPr>
@@ -3430,7 +4252,7 @@
               <a:defRPr sz="2000"/>
             </a:pPr>
             <a:r>
-              <a:t>Az3 f=7GHz 0 dB</a:t>
+              <a:t>AZ3 f=4GHz 0 dB</a:t>
             </a:r>
           </a:p>
         </p:txBody>
@@ -3472,7 +4294,7 @@
       </p:sp>
       <p:pic>
         <p:nvPicPr>
-          <p:cNvPr id="3" name="Picture 2" descr="Az3_f9.1GHz_0dB_plot.png"/>
+          <p:cNvPr id="3" name="Picture 2" descr="AZ3_5GHz_0dBm_plot.png"/>
           <p:cNvPicPr>
             <a:picLocks noChangeAspect="1"/>
           </p:cNvPicPr>
@@ -3520,7 +4342,7 @@
               <a:defRPr sz="2000"/>
             </a:pPr>
             <a:r>
-              <a:t>Az3 f=9.1GHz 0 dB</a:t>
+              <a:t>AZ3 f=5GHz 0 dB</a:t>
             </a:r>
           </a:p>
         </p:txBody>
@@ -3562,7 +4384,7 @@
       </p:sp>
       <p:pic>
         <p:nvPicPr>
-          <p:cNvPr id="3" name="Picture 2" descr="Az3_f9GHz_0dB_plot.png"/>
+          <p:cNvPr id="3" name="Picture 2" descr="AZ3_6GHz_0dBm_plot.png"/>
           <p:cNvPicPr>
             <a:picLocks noChangeAspect="1"/>
           </p:cNvPicPr>
@@ -3610,7 +4432,277 @@
               <a:defRPr sz="2000"/>
             </a:pPr>
             <a:r>
-              <a:t>Az3 f=9GHz 0 dB</a:t>
+              <a:t>AZ3 f=6GHz 0 dB</a:t>
+            </a:r>
+          </a:p>
+        </p:txBody>
+      </p:sp>
+    </p:spTree>
+  </p:cSld>
+  <p:clrMapOvr>
+    <a:masterClrMapping/>
+  </p:clrMapOvr>
+</p:sld>
+</file>
+
+<file path=ppt/slides/slide7.xml><?xml version="1.0" encoding="utf-8"?>
+<p:sld xmlns:a="http://schemas.openxmlformats.org/drawingml/2006/main" xmlns:p="http://schemas.openxmlformats.org/presentationml/2006/main" xmlns:r="http://schemas.openxmlformats.org/officeDocument/2006/relationships">
+  <p:cSld>
+    <p:spTree>
+      <p:nvGrpSpPr>
+        <p:cNvPr id="1" name=""/>
+        <p:cNvGrpSpPr/>
+        <p:nvPr/>
+      </p:nvGrpSpPr>
+      <p:grpSpPr/>
+      <p:sp>
+        <p:nvSpPr>
+          <p:cNvPr id="2" name="Title 1"/>
+          <p:cNvSpPr>
+            <a:spLocks noGrp="1"/>
+          </p:cNvSpPr>
+          <p:nvPr>
+            <p:ph type="title"/>
+          </p:nvPr>
+        </p:nvSpPr>
+        <p:spPr/>
+        <p:txBody>
+          <a:bodyPr/>
+          <a:lstStyle/>
+          <a:p/>
+        </p:txBody>
+      </p:sp>
+      <p:pic>
+        <p:nvPicPr>
+          <p:cNvPr id="3" name="Picture 2" descr="AZ3_f6GHz_0dB_plot.png"/>
+          <p:cNvPicPr>
+            <a:picLocks noChangeAspect="1"/>
+          </p:cNvPicPr>
+          <p:nvPr/>
+        </p:nvPicPr>
+        <p:blipFill>
+          <a:blip r:embed="rId2"/>
+          <a:stretch>
+            <a:fillRect/>
+          </a:stretch>
+        </p:blipFill>
+        <p:spPr>
+          <a:xfrm>
+            <a:off x="457200" y="457200"/>
+            <a:ext cx="7315200" cy="4572000"/>
+          </a:xfrm>
+          <a:prstGeom prst="rect">
+            <a:avLst/>
+          </a:prstGeom>
+        </p:spPr>
+      </p:pic>
+      <p:sp>
+        <p:nvSpPr>
+          <p:cNvPr id="4" name="TextBox 3"/>
+          <p:cNvSpPr txBox="1"/>
+          <p:nvPr/>
+        </p:nvSpPr>
+        <p:spPr>
+          <a:xfrm>
+            <a:off x="457200" y="91440"/>
+            <a:ext cx="7315200" cy="274320"/>
+          </a:xfrm>
+          <a:prstGeom prst="rect">
+            <a:avLst/>
+          </a:prstGeom>
+          <a:noFill/>
+        </p:spPr>
+        <p:txBody>
+          <a:bodyPr wrap="none">
+            <a:spAutoFit/>
+          </a:bodyPr>
+          <a:lstStyle/>
+          <a:p>
+            <a:pPr algn="ctr">
+              <a:defRPr sz="2000"/>
+            </a:pPr>
+            <a:r>
+              <a:t>AZ3 f=6GHz 0 dB</a:t>
+            </a:r>
+          </a:p>
+        </p:txBody>
+      </p:sp>
+    </p:spTree>
+  </p:cSld>
+  <p:clrMapOvr>
+    <a:masterClrMapping/>
+  </p:clrMapOvr>
+</p:sld>
+</file>
+
+<file path=ppt/slides/slide8.xml><?xml version="1.0" encoding="utf-8"?>
+<p:sld xmlns:a="http://schemas.openxmlformats.org/drawingml/2006/main" xmlns:p="http://schemas.openxmlformats.org/presentationml/2006/main" xmlns:r="http://schemas.openxmlformats.org/officeDocument/2006/relationships">
+  <p:cSld>
+    <p:spTree>
+      <p:nvGrpSpPr>
+        <p:cNvPr id="1" name=""/>
+        <p:cNvGrpSpPr/>
+        <p:nvPr/>
+      </p:nvGrpSpPr>
+      <p:grpSpPr/>
+      <p:sp>
+        <p:nvSpPr>
+          <p:cNvPr id="2" name="Title 1"/>
+          <p:cNvSpPr>
+            <a:spLocks noGrp="1"/>
+          </p:cNvSpPr>
+          <p:nvPr>
+            <p:ph type="title"/>
+          </p:nvPr>
+        </p:nvSpPr>
+        <p:spPr/>
+        <p:txBody>
+          <a:bodyPr/>
+          <a:lstStyle/>
+          <a:p/>
+        </p:txBody>
+      </p:sp>
+      <p:pic>
+        <p:nvPicPr>
+          <p:cNvPr id="3" name="Picture 2" descr="AZ3_7GHz_0dBm_plot.png"/>
+          <p:cNvPicPr>
+            <a:picLocks noChangeAspect="1"/>
+          </p:cNvPicPr>
+          <p:nvPr/>
+        </p:nvPicPr>
+        <p:blipFill>
+          <a:blip r:embed="rId2"/>
+          <a:stretch>
+            <a:fillRect/>
+          </a:stretch>
+        </p:blipFill>
+        <p:spPr>
+          <a:xfrm>
+            <a:off x="457200" y="457200"/>
+            <a:ext cx="7315200" cy="4572000"/>
+          </a:xfrm>
+          <a:prstGeom prst="rect">
+            <a:avLst/>
+          </a:prstGeom>
+        </p:spPr>
+      </p:pic>
+      <p:sp>
+        <p:nvSpPr>
+          <p:cNvPr id="4" name="TextBox 3"/>
+          <p:cNvSpPr txBox="1"/>
+          <p:nvPr/>
+        </p:nvSpPr>
+        <p:spPr>
+          <a:xfrm>
+            <a:off x="457200" y="91440"/>
+            <a:ext cx="7315200" cy="274320"/>
+          </a:xfrm>
+          <a:prstGeom prst="rect">
+            <a:avLst/>
+          </a:prstGeom>
+          <a:noFill/>
+        </p:spPr>
+        <p:txBody>
+          <a:bodyPr wrap="none">
+            <a:spAutoFit/>
+          </a:bodyPr>
+          <a:lstStyle/>
+          <a:p>
+            <a:pPr algn="ctr">
+              <a:defRPr sz="2000"/>
+            </a:pPr>
+            <a:r>
+              <a:t>AZ3 f=7GHz 0 dB</a:t>
+            </a:r>
+          </a:p>
+        </p:txBody>
+      </p:sp>
+    </p:spTree>
+  </p:cSld>
+  <p:clrMapOvr>
+    <a:masterClrMapping/>
+  </p:clrMapOvr>
+</p:sld>
+</file>
+
+<file path=ppt/slides/slide9.xml><?xml version="1.0" encoding="utf-8"?>
+<p:sld xmlns:a="http://schemas.openxmlformats.org/drawingml/2006/main" xmlns:p="http://schemas.openxmlformats.org/presentationml/2006/main" xmlns:r="http://schemas.openxmlformats.org/officeDocument/2006/relationships">
+  <p:cSld>
+    <p:spTree>
+      <p:nvGrpSpPr>
+        <p:cNvPr id="1" name=""/>
+        <p:cNvGrpSpPr/>
+        <p:nvPr/>
+      </p:nvGrpSpPr>
+      <p:grpSpPr/>
+      <p:sp>
+        <p:nvSpPr>
+          <p:cNvPr id="2" name="Title 1"/>
+          <p:cNvSpPr>
+            <a:spLocks noGrp="1"/>
+          </p:cNvSpPr>
+          <p:nvPr>
+            <p:ph type="title"/>
+          </p:nvPr>
+        </p:nvSpPr>
+        <p:spPr/>
+        <p:txBody>
+          <a:bodyPr/>
+          <a:lstStyle/>
+          <a:p/>
+        </p:txBody>
+      </p:sp>
+      <p:pic>
+        <p:nvPicPr>
+          <p:cNvPr id="3" name="Picture 2" descr="AZ3_8GHz_0dBm_plot.png"/>
+          <p:cNvPicPr>
+            <a:picLocks noChangeAspect="1"/>
+          </p:cNvPicPr>
+          <p:nvPr/>
+        </p:nvPicPr>
+        <p:blipFill>
+          <a:blip r:embed="rId2"/>
+          <a:stretch>
+            <a:fillRect/>
+          </a:stretch>
+        </p:blipFill>
+        <p:spPr>
+          <a:xfrm>
+            <a:off x="457200" y="457200"/>
+            <a:ext cx="7315200" cy="4572000"/>
+          </a:xfrm>
+          <a:prstGeom prst="rect">
+            <a:avLst/>
+          </a:prstGeom>
+        </p:spPr>
+      </p:pic>
+      <p:sp>
+        <p:nvSpPr>
+          <p:cNvPr id="4" name="TextBox 3"/>
+          <p:cNvSpPr txBox="1"/>
+          <p:nvPr/>
+        </p:nvSpPr>
+        <p:spPr>
+          <a:xfrm>
+            <a:off x="457200" y="91440"/>
+            <a:ext cx="7315200" cy="274320"/>
+          </a:xfrm>
+          <a:prstGeom prst="rect">
+            <a:avLst/>
+          </a:prstGeom>
+          <a:noFill/>
+        </p:spPr>
+        <p:txBody>
+          <a:bodyPr wrap="none">
+            <a:spAutoFit/>
+          </a:bodyPr>
+          <a:lstStyle/>
+          <a:p>
+            <a:pPr algn="ctr">
+              <a:defRPr sz="2000"/>
+            </a:pPr>
+            <a:r>
+              <a:t>AZ3 f=8GHz 0 dB</a:t>
             </a:r>
           </a:p>
         </p:txBody>
